--- a/ClassMaterials/EventBasedGameLoop/Slides/Part4-FileIOAndExceptions.pptx
+++ b/ClassMaterials/EventBasedGameLoop/Slides/Part4-FileIOAndExceptions.pptx
@@ -292,7 +292,7 @@
             <a:fld id="{68AFFCC9-E980-4A2E-8F84-91052C1F2C22}" type="datetime1">
               <a:rPr lang="en-US"/>
               <a:pPr/>
-              <a:t>1/23/2023</a:t>
+              <a:t>1/21/2024</a:t>
             </a:fld>
             <a:endParaRPr lang="en-US"/>
           </a:p>
@@ -521,7 +521,7 @@
             <a:fld id="{C4411CED-79EF-4046-B79B-F8927B54B6B0}" type="datetime1">
               <a:rPr lang="en-US"/>
               <a:pPr/>
-              <a:t>1/23/2023</a:t>
+              <a:t>1/21/2024</a:t>
             </a:fld>
             <a:endParaRPr lang="en-US"/>
           </a:p>
@@ -1768,7 +1768,7 @@
             <a:fld id="{43E6E5DC-7A70-4CAB-B8CA-FD7CFBA6DDCF}" type="datetime1">
               <a:rPr lang="en-US" smtClean="0"/>
               <a:pPr/>
-              <a:t>1/23/2023</a:t>
+              <a:t>1/21/2024</a:t>
             </a:fld>
             <a:endParaRPr lang="en-US"/>
           </a:p>
@@ -1941,7 +1941,7 @@
             <a:fld id="{34C58A64-F6CF-4D4F-A14E-4E9A6689521C}" type="datetime1">
               <a:rPr lang="en-US" smtClean="0"/>
               <a:pPr/>
-              <a:t>1/23/2023</a:t>
+              <a:t>1/21/2024</a:t>
             </a:fld>
             <a:endParaRPr lang="en-US"/>
           </a:p>
@@ -2124,7 +2124,7 @@
             <a:fld id="{28A961FD-7946-4EF3-8B09-2E96C5099CE1}" type="datetime1">
               <a:rPr lang="en-US" smtClean="0"/>
               <a:pPr/>
-              <a:t>1/23/2023</a:t>
+              <a:t>1/21/2024</a:t>
             </a:fld>
             <a:endParaRPr lang="en-US"/>
           </a:p>
@@ -2403,7 +2403,7 @@
             <a:fld id="{410E03A8-3A50-4824-93B1-5AB2817A85E6}" type="datetime1">
               <a:rPr lang="en-US" smtClean="0"/>
               <a:pPr/>
-              <a:t>1/23/2023</a:t>
+              <a:t>1/21/2024</a:t>
             </a:fld>
             <a:endParaRPr lang="en-US"/>
           </a:p>
@@ -2653,7 +2653,7 @@
             <a:fld id="{69EE78C3-2E3E-4EDD-A8FC-A11FEA9CDF04}" type="datetime1">
               <a:rPr lang="en-US" smtClean="0"/>
               <a:pPr/>
-              <a:t>1/23/2023</a:t>
+              <a:t>1/21/2024</a:t>
             </a:fld>
             <a:endParaRPr lang="en-US"/>
           </a:p>
@@ -2943,7 +2943,7 @@
             <a:fld id="{9CAD6738-AE48-490E-BA60-16B31C3E5798}" type="datetime1">
               <a:rPr lang="en-US" smtClean="0"/>
               <a:pPr/>
-              <a:t>1/23/2023</a:t>
+              <a:t>1/21/2024</a:t>
             </a:fld>
             <a:endParaRPr lang="en-US"/>
           </a:p>
@@ -3367,7 +3367,7 @@
             <a:fld id="{12137309-80BC-4890-B91A-AB9885E172E5}" type="datetime1">
               <a:rPr lang="en-US" smtClean="0"/>
               <a:pPr/>
-              <a:t>1/23/2023</a:t>
+              <a:t>1/21/2024</a:t>
             </a:fld>
             <a:endParaRPr lang="en-US"/>
           </a:p>
@@ -3489,7 +3489,7 @@
             <a:fld id="{79C16A63-0F78-4E9D-81E4-A84E1F25A0A3}" type="datetime1">
               <a:rPr lang="en-US" smtClean="0"/>
               <a:pPr/>
-              <a:t>1/23/2023</a:t>
+              <a:t>1/21/2024</a:t>
             </a:fld>
             <a:endParaRPr lang="en-US"/>
           </a:p>
@@ -3589,7 +3589,7 @@
             <a:fld id="{DC5FF9E9-979C-4422-A1BB-1DC64426F0DA}" type="datetime1">
               <a:rPr lang="en-US" smtClean="0"/>
               <a:pPr/>
-              <a:t>1/23/2023</a:t>
+              <a:t>1/21/2024</a:t>
             </a:fld>
             <a:endParaRPr lang="en-US"/>
           </a:p>
@@ -3869,7 +3869,7 @@
             <a:fld id="{B9B7020D-910B-4676-A902-AD52382F28B6}" type="datetime1">
               <a:rPr lang="en-US" smtClean="0"/>
               <a:pPr/>
-              <a:t>1/23/2023</a:t>
+              <a:t>1/21/2024</a:t>
             </a:fld>
             <a:endParaRPr lang="en-US"/>
           </a:p>
@@ -4126,7 +4126,7 @@
             <a:fld id="{4695FF79-924D-47D6-A727-6A03000C0C91}" type="datetime1">
               <a:rPr lang="en-US" smtClean="0"/>
               <a:pPr/>
-              <a:t>1/23/2023</a:t>
+              <a:t>1/21/2024</a:t>
             </a:fld>
             <a:endParaRPr lang="en-US"/>
           </a:p>
@@ -4342,7 +4342,7 @@
             <a:fld id="{A51E304D-C692-4D58-A925-D35D66927263}" type="datetime1">
               <a:rPr lang="en-US" smtClean="0"/>
               <a:pPr/>
-              <a:t>1/23/2023</a:t>
+              <a:t>1/21/2024</a:t>
             </a:fld>
             <a:endParaRPr lang="en-US"/>
           </a:p>
@@ -9009,15 +9009,6 @@
 </file>
 
 <file path=customXml/item1.xml><?xml version="1.0" encoding="utf-8"?>
-<?mso-contentType ?>
-<FormTemplates xmlns="http://schemas.microsoft.com/sharepoint/v3/contenttype/forms">
-  <Display>DocumentLibraryForm</Display>
-  <Edit>DocumentLibraryForm</Edit>
-  <New>DocumentLibraryForm</New>
-</FormTemplates>
-</file>
-
-<file path=customXml/item2.xml><?xml version="1.0" encoding="utf-8"?>
 <p:properties xmlns:p="http://schemas.microsoft.com/office/2006/metadata/properties" xmlns:xsi="http://www.w3.org/2001/XMLSchema-instance" xmlns:pc="http://schemas.microsoft.com/office/infopath/2007/PartnerControls">
   <documentManagement>
     <TaxCatchAll xmlns="820f9cb1-409d-4c4b-8197-1d4f7dd48124" xsi:nil="true"/>
@@ -9026,6 +9017,15 @@
     </lcf76f155ced4ddcb4097134ff3c332f>
   </documentManagement>
 </p:properties>
+</file>
+
+<file path=customXml/item2.xml><?xml version="1.0" encoding="utf-8"?>
+<?mso-contentType ?>
+<FormTemplates xmlns="http://schemas.microsoft.com/sharepoint/v3/contenttype/forms">
+  <Display>DocumentLibraryForm</Display>
+  <Edit>DocumentLibraryForm</Edit>
+  <New>DocumentLibraryForm</New>
+</FormTemplates>
 </file>
 
 <file path=customXml/item3.xml><?xml version="1.0" encoding="utf-8"?>
@@ -9206,14 +9206,6 @@
 </file>
 
 <file path=customXml/itemProps1.xml><?xml version="1.0" encoding="utf-8"?>
-<ds:datastoreItem xmlns:ds="http://schemas.openxmlformats.org/officeDocument/2006/customXml" ds:itemID="{2A7C915E-4009-47CE-94D4-97E75DE59B25}">
-  <ds:schemaRefs>
-    <ds:schemaRef ds:uri="http://schemas.microsoft.com/sharepoint/v3/contenttype/forms"/>
-  </ds:schemaRefs>
-</ds:datastoreItem>
-</file>
-
-<file path=customXml/itemProps2.xml><?xml version="1.0" encoding="utf-8"?>
 <ds:datastoreItem xmlns:ds="http://schemas.openxmlformats.org/officeDocument/2006/customXml" ds:itemID="{5A9CC447-D9E4-472B-8F77-5984014F62A7}">
   <ds:schemaRefs>
     <ds:schemaRef ds:uri="08600313-7276-4ca7-b5d3-7d86193ee0ac"/>
@@ -9226,6 +9218,14 @@
     <ds:schemaRef ds:uri="http://schemas.microsoft.com/office/infopath/2007/PartnerControls"/>
     <ds:schemaRef ds:uri="http://schemas.openxmlformats.org/package/2006/metadata/core-properties"/>
     <ds:schemaRef ds:uri="http://www.w3.org/XML/1998/namespace"/>
+  </ds:schemaRefs>
+</ds:datastoreItem>
+</file>
+
+<file path=customXml/itemProps2.xml><?xml version="1.0" encoding="utf-8"?>
+<ds:datastoreItem xmlns:ds="http://schemas.openxmlformats.org/officeDocument/2006/customXml" ds:itemID="{2A7C915E-4009-47CE-94D4-97E75DE59B25}">
+  <ds:schemaRefs>
+    <ds:schemaRef ds:uri="http://schemas.microsoft.com/sharepoint/v3/contenttype/forms"/>
   </ds:schemaRefs>
 </ds:datastoreItem>
 </file>

--- a/ClassMaterials/EventBasedGameLoop/Slides/Part4-FileIOAndExceptions.pptx
+++ b/ClassMaterials/EventBasedGameLoop/Slides/Part4-FileIOAndExceptions.pptx
@@ -292,7 +292,7 @@
             <a:fld id="{68AFFCC9-E980-4A2E-8F84-91052C1F2C22}" type="datetime1">
               <a:rPr lang="en-US"/>
               <a:pPr/>
-              <a:t>1/21/2024</a:t>
+              <a:t>4/28/2025</a:t>
             </a:fld>
             <a:endParaRPr lang="en-US"/>
           </a:p>
@@ -521,7 +521,7 @@
             <a:fld id="{C4411CED-79EF-4046-B79B-F8927B54B6B0}" type="datetime1">
               <a:rPr lang="en-US"/>
               <a:pPr/>
-              <a:t>1/21/2024</a:t>
+              <a:t>4/28/2025</a:t>
             </a:fld>
             <a:endParaRPr lang="en-US"/>
           </a:p>
@@ -1768,7 +1768,7 @@
             <a:fld id="{43E6E5DC-7A70-4CAB-B8CA-FD7CFBA6DDCF}" type="datetime1">
               <a:rPr lang="en-US" smtClean="0"/>
               <a:pPr/>
-              <a:t>1/21/2024</a:t>
+              <a:t>4/28/2025</a:t>
             </a:fld>
             <a:endParaRPr lang="en-US"/>
           </a:p>
@@ -1941,7 +1941,7 @@
             <a:fld id="{34C58A64-F6CF-4D4F-A14E-4E9A6689521C}" type="datetime1">
               <a:rPr lang="en-US" smtClean="0"/>
               <a:pPr/>
-              <a:t>1/21/2024</a:t>
+              <a:t>4/28/2025</a:t>
             </a:fld>
             <a:endParaRPr lang="en-US"/>
           </a:p>
@@ -2124,7 +2124,7 @@
             <a:fld id="{28A961FD-7946-4EF3-8B09-2E96C5099CE1}" type="datetime1">
               <a:rPr lang="en-US" smtClean="0"/>
               <a:pPr/>
-              <a:t>1/21/2024</a:t>
+              <a:t>4/28/2025</a:t>
             </a:fld>
             <a:endParaRPr lang="en-US"/>
           </a:p>
@@ -2403,7 +2403,7 @@
             <a:fld id="{410E03A8-3A50-4824-93B1-5AB2817A85E6}" type="datetime1">
               <a:rPr lang="en-US" smtClean="0"/>
               <a:pPr/>
-              <a:t>1/21/2024</a:t>
+              <a:t>4/28/2025</a:t>
             </a:fld>
             <a:endParaRPr lang="en-US"/>
           </a:p>
@@ -2653,7 +2653,7 @@
             <a:fld id="{69EE78C3-2E3E-4EDD-A8FC-A11FEA9CDF04}" type="datetime1">
               <a:rPr lang="en-US" smtClean="0"/>
               <a:pPr/>
-              <a:t>1/21/2024</a:t>
+              <a:t>4/28/2025</a:t>
             </a:fld>
             <a:endParaRPr lang="en-US"/>
           </a:p>
@@ -2943,7 +2943,7 @@
             <a:fld id="{9CAD6738-AE48-490E-BA60-16B31C3E5798}" type="datetime1">
               <a:rPr lang="en-US" smtClean="0"/>
               <a:pPr/>
-              <a:t>1/21/2024</a:t>
+              <a:t>4/28/2025</a:t>
             </a:fld>
             <a:endParaRPr lang="en-US"/>
           </a:p>
@@ -3367,7 +3367,7 @@
             <a:fld id="{12137309-80BC-4890-B91A-AB9885E172E5}" type="datetime1">
               <a:rPr lang="en-US" smtClean="0"/>
               <a:pPr/>
-              <a:t>1/21/2024</a:t>
+              <a:t>4/28/2025</a:t>
             </a:fld>
             <a:endParaRPr lang="en-US"/>
           </a:p>
@@ -3489,7 +3489,7 @@
             <a:fld id="{79C16A63-0F78-4E9D-81E4-A84E1F25A0A3}" type="datetime1">
               <a:rPr lang="en-US" smtClean="0"/>
               <a:pPr/>
-              <a:t>1/21/2024</a:t>
+              <a:t>4/28/2025</a:t>
             </a:fld>
             <a:endParaRPr lang="en-US"/>
           </a:p>
@@ -3589,7 +3589,7 @@
             <a:fld id="{DC5FF9E9-979C-4422-A1BB-1DC64426F0DA}" type="datetime1">
               <a:rPr lang="en-US" smtClean="0"/>
               <a:pPr/>
-              <a:t>1/21/2024</a:t>
+              <a:t>4/28/2025</a:t>
             </a:fld>
             <a:endParaRPr lang="en-US"/>
           </a:p>
@@ -3869,7 +3869,7 @@
             <a:fld id="{B9B7020D-910B-4676-A902-AD52382F28B6}" type="datetime1">
               <a:rPr lang="en-US" smtClean="0"/>
               <a:pPr/>
-              <a:t>1/21/2024</a:t>
+              <a:t>4/28/2025</a:t>
             </a:fld>
             <a:endParaRPr lang="en-US"/>
           </a:p>
@@ -4126,7 +4126,7 @@
             <a:fld id="{4695FF79-924D-47D6-A727-6A03000C0C91}" type="datetime1">
               <a:rPr lang="en-US" smtClean="0"/>
               <a:pPr/>
-              <a:t>1/21/2024</a:t>
+              <a:t>4/28/2025</a:t>
             </a:fld>
             <a:endParaRPr lang="en-US"/>
           </a:p>
@@ -4342,7 +4342,7 @@
             <a:fld id="{A51E304D-C692-4D58-A925-D35D66927263}" type="datetime1">
               <a:rPr lang="en-US" smtClean="0"/>
               <a:pPr/>
-              <a:t>1/21/2024</a:t>
+              <a:t>4/28/2025</a:t>
             </a:fld>
             <a:endParaRPr lang="en-US"/>
           </a:p>
@@ -9009,26 +9009,6 @@
 </file>
 
 <file path=customXml/item1.xml><?xml version="1.0" encoding="utf-8"?>
-<p:properties xmlns:p="http://schemas.microsoft.com/office/2006/metadata/properties" xmlns:xsi="http://www.w3.org/2001/XMLSchema-instance" xmlns:pc="http://schemas.microsoft.com/office/infopath/2007/PartnerControls">
-  <documentManagement>
-    <TaxCatchAll xmlns="820f9cb1-409d-4c4b-8197-1d4f7dd48124" xsi:nil="true"/>
-    <lcf76f155ced4ddcb4097134ff3c332f xmlns="08600313-7276-4ca7-b5d3-7d86193ee0ac">
-      <Terms xmlns="http://schemas.microsoft.com/office/infopath/2007/PartnerControls"/>
-    </lcf76f155ced4ddcb4097134ff3c332f>
-  </documentManagement>
-</p:properties>
-</file>
-
-<file path=customXml/item2.xml><?xml version="1.0" encoding="utf-8"?>
-<?mso-contentType ?>
-<FormTemplates xmlns="http://schemas.microsoft.com/sharepoint/v3/contenttype/forms">
-  <Display>DocumentLibraryForm</Display>
-  <Edit>DocumentLibraryForm</Edit>
-  <New>DocumentLibraryForm</New>
-</FormTemplates>
-</file>
-
-<file path=customXml/item3.xml><?xml version="1.0" encoding="utf-8"?>
 <ct:contentTypeSchema xmlns:ct="http://schemas.microsoft.com/office/2006/metadata/contentType" xmlns:ma="http://schemas.microsoft.com/office/2006/metadata/properties/metaAttributes" ct:_="" ma:_="" ma:contentTypeName="Document" ma:contentTypeID="0x0101004285D81DBE5F5A448E892B34D6B8CF20" ma:contentTypeVersion="8" ma:contentTypeDescription="Create a new document." ma:contentTypeScope="" ma:versionID="ecce54155d2ea7caa9aed06c8b6b9867">
   <xsd:schema xmlns:xsd="http://www.w3.org/2001/XMLSchema" xmlns:xs="http://www.w3.org/2001/XMLSchema" xmlns:p="http://schemas.microsoft.com/office/2006/metadata/properties" xmlns:ns2="08600313-7276-4ca7-b5d3-7d86193ee0ac" xmlns:ns3="820f9cb1-409d-4c4b-8197-1d4f7dd48124" targetNamespace="http://schemas.microsoft.com/office/2006/metadata/properties" ma:root="true" ma:fieldsID="bfd7385540b70b2fe84ac888cc214377" ns2:_="" ns3:_="">
     <xsd:import namespace="08600313-7276-4ca7-b5d3-7d86193ee0ac"/>
@@ -9205,32 +9185,27 @@
 </ct:contentTypeSchema>
 </file>
 
-<file path=customXml/itemProps1.xml><?xml version="1.0" encoding="utf-8"?>
-<ds:datastoreItem xmlns:ds="http://schemas.openxmlformats.org/officeDocument/2006/customXml" ds:itemID="{5A9CC447-D9E4-472B-8F77-5984014F62A7}">
-  <ds:schemaRefs>
-    <ds:schemaRef ds:uri="08600313-7276-4ca7-b5d3-7d86193ee0ac"/>
-    <ds:schemaRef ds:uri="820f9cb1-409d-4c4b-8197-1d4f7dd48124"/>
-    <ds:schemaRef ds:uri="http://purl.org/dc/dcmitype/"/>
-    <ds:schemaRef ds:uri="http://purl.org/dc/elements/1.1/"/>
-    <ds:schemaRef ds:uri="http://purl.org/dc/terms/"/>
-    <ds:schemaRef ds:uri="http://schemas.microsoft.com/office/2006/documentManagement/types"/>
-    <ds:schemaRef ds:uri="http://schemas.microsoft.com/office/2006/metadata/properties"/>
-    <ds:schemaRef ds:uri="http://schemas.microsoft.com/office/infopath/2007/PartnerControls"/>
-    <ds:schemaRef ds:uri="http://schemas.openxmlformats.org/package/2006/metadata/core-properties"/>
-    <ds:schemaRef ds:uri="http://www.w3.org/XML/1998/namespace"/>
-  </ds:schemaRefs>
-</ds:datastoreItem>
+<file path=customXml/item2.xml><?xml version="1.0" encoding="utf-8"?>
+<?mso-contentType ?>
+<FormTemplates xmlns="http://schemas.microsoft.com/sharepoint/v3/contenttype/forms">
+  <Display>DocumentLibraryForm</Display>
+  <Edit>DocumentLibraryForm</Edit>
+  <New>DocumentLibraryForm</New>
+</FormTemplates>
 </file>
 
-<file path=customXml/itemProps2.xml><?xml version="1.0" encoding="utf-8"?>
-<ds:datastoreItem xmlns:ds="http://schemas.openxmlformats.org/officeDocument/2006/customXml" ds:itemID="{2A7C915E-4009-47CE-94D4-97E75DE59B25}">
-  <ds:schemaRefs>
-    <ds:schemaRef ds:uri="http://schemas.microsoft.com/sharepoint/v3/contenttype/forms"/>
-  </ds:schemaRefs>
-</ds:datastoreItem>
+<file path=customXml/item3.xml><?xml version="1.0" encoding="utf-8"?>
+<p:properties xmlns:p="http://schemas.microsoft.com/office/2006/metadata/properties" xmlns:xsi="http://www.w3.org/2001/XMLSchema-instance" xmlns:pc="http://schemas.microsoft.com/office/infopath/2007/PartnerControls">
+  <documentManagement>
+    <TaxCatchAll xmlns="820f9cb1-409d-4c4b-8197-1d4f7dd48124" xsi:nil="true"/>
+    <lcf76f155ced4ddcb4097134ff3c332f xmlns="08600313-7276-4ca7-b5d3-7d86193ee0ac">
+      <Terms xmlns="http://schemas.microsoft.com/office/infopath/2007/PartnerControls"/>
+    </lcf76f155ced4ddcb4097134ff3c332f>
+  </documentManagement>
+</p:properties>
 </file>
 
-<file path=customXml/itemProps3.xml><?xml version="1.0" encoding="utf-8"?>
+<file path=customXml/itemProps1.xml><?xml version="1.0" encoding="utf-8"?>
 <ds:datastoreItem xmlns:ds="http://schemas.openxmlformats.org/officeDocument/2006/customXml" ds:itemID="{54EB4FC6-A2A2-40B0-A84A-BBFCE3674D6D}">
   <ds:schemaRefs>
     <ds:schemaRef ds:uri="08600313-7276-4ca7-b5d3-7d86193ee0ac"/>
@@ -9247,4 +9222,29 @@
     <ds:schemaRef ds:uri="http://www.w3.org/2001/XMLSchema"/>
   </ds:schemaRefs>
 </ds:datastoreItem>
+</file>
+
+<file path=customXml/itemProps2.xml><?xml version="1.0" encoding="utf-8"?>
+<ds:datastoreItem xmlns:ds="http://schemas.openxmlformats.org/officeDocument/2006/customXml" ds:itemID="{2A7C915E-4009-47CE-94D4-97E75DE59B25}">
+  <ds:schemaRefs>
+    <ds:schemaRef ds:uri="http://schemas.microsoft.com/sharepoint/v3/contenttype/forms"/>
+  </ds:schemaRefs>
+</ds:datastoreItem>
+</file>
+
+<file path=customXml/itemProps3.xml><?xml version="1.0" encoding="utf-8"?>
+<ds:datastoreItem xmlns:ds="http://schemas.openxmlformats.org/officeDocument/2006/customXml" ds:itemID="{5A9CC447-D9E4-472B-8F77-5984014F62A7}">
+  <ds:schemaRefs>
+    <ds:schemaRef ds:uri="08600313-7276-4ca7-b5d3-7d86193ee0ac"/>
+    <ds:schemaRef ds:uri="820f9cb1-409d-4c4b-8197-1d4f7dd48124"/>
+    <ds:schemaRef ds:uri="http://purl.org/dc/dcmitype/"/>
+    <ds:schemaRef ds:uri="http://purl.org/dc/elements/1.1/"/>
+    <ds:schemaRef ds:uri="http://purl.org/dc/terms/"/>
+    <ds:schemaRef ds:uri="http://schemas.microsoft.com/office/2006/documentManagement/types"/>
+    <ds:schemaRef ds:uri="http://schemas.microsoft.com/office/2006/metadata/properties"/>
+    <ds:schemaRef ds:uri="http://schemas.microsoft.com/office/infopath/2007/PartnerControls"/>
+    <ds:schemaRef ds:uri="http://schemas.openxmlformats.org/package/2006/metadata/core-properties"/>
+    <ds:schemaRef ds:uri="http://www.w3.org/XML/1998/namespace"/>
+  </ds:schemaRefs>
+</ds:datastoreItem>
 </file>